--- a/4.Docs/3.PresentationDoc/[20220307]惯性筛答辩.pptx
+++ b/4.Docs/3.PresentationDoc/[20220307]惯性筛答辩.pptx
@@ -288,7 +288,7 @@
           <a:p>
             <a:fld id="{B667AF6A-A86C-412B-BF95-2CDDD32B05B2}" type="datetimeFigureOut">
               <a:rPr lang="zh-CN" altLang="en-US" smtClean="0"/>
-              <a:t>2022-03-07</a:t>
+              <a:t>2022/5/28</a:t>
             </a:fld>
             <a:endParaRPr lang="zh-CN" altLang="en-US"/>
           </a:p>
@@ -508,7 +508,7 @@
           <a:p>
             <a:fld id="{B667AF6A-A86C-412B-BF95-2CDDD32B05B2}" type="datetimeFigureOut">
               <a:rPr lang="zh-CN" altLang="en-US" smtClean="0"/>
-              <a:t>2022-03-07</a:t>
+              <a:t>2022/5/28</a:t>
             </a:fld>
             <a:endParaRPr lang="zh-CN" altLang="en-US"/>
           </a:p>
@@ -1327,7 +1327,7 @@
           <a:p>
             <a:fld id="{B667AF6A-A86C-412B-BF95-2CDDD32B05B2}" type="datetimeFigureOut">
               <a:rPr lang="zh-CN" altLang="en-US" smtClean="0"/>
-              <a:t>2022-03-07</a:t>
+              <a:t>2022/5/28</a:t>
             </a:fld>
             <a:endParaRPr lang="zh-CN" altLang="en-US"/>
           </a:p>
@@ -1604,7 +1604,7 @@
           <a:p>
             <a:fld id="{B667AF6A-A86C-412B-BF95-2CDDD32B05B2}" type="datetimeFigureOut">
               <a:rPr lang="zh-CN" altLang="en-US" smtClean="0"/>
-              <a:t>2022-03-07</a:t>
+              <a:t>2022/5/28</a:t>
             </a:fld>
             <a:endParaRPr lang="zh-CN" altLang="en-US"/>
           </a:p>
@@ -2028,7 +2028,7 @@
           <a:p>
             <a:fld id="{B667AF6A-A86C-412B-BF95-2CDDD32B05B2}" type="datetimeFigureOut">
               <a:rPr lang="zh-CN" altLang="en-US" smtClean="0"/>
-              <a:t>2022-03-07</a:t>
+              <a:t>2022/5/28</a:t>
             </a:fld>
             <a:endParaRPr lang="zh-CN" altLang="en-US"/>
           </a:p>
@@ -2181,7 +2181,7 @@
           <a:p>
             <a:fld id="{B667AF6A-A86C-412B-BF95-2CDDD32B05B2}" type="datetimeFigureOut">
               <a:rPr lang="zh-CN" altLang="en-US" smtClean="0"/>
-              <a:t>2022-03-07</a:t>
+              <a:t>2022/5/28</a:t>
             </a:fld>
             <a:endParaRPr lang="zh-CN" altLang="en-US"/>
           </a:p>
@@ -2306,7 +2306,7 @@
           <a:p>
             <a:fld id="{B667AF6A-A86C-412B-BF95-2CDDD32B05B2}" type="datetimeFigureOut">
               <a:rPr lang="zh-CN" altLang="en-US" smtClean="0"/>
-              <a:t>2022-03-07</a:t>
+              <a:t>2022/5/28</a:t>
             </a:fld>
             <a:endParaRPr lang="zh-CN" altLang="en-US"/>
           </a:p>
@@ -2629,7 +2629,7 @@
           <a:p>
             <a:fld id="{B667AF6A-A86C-412B-BF95-2CDDD32B05B2}" type="datetimeFigureOut">
               <a:rPr lang="zh-CN" altLang="en-US" smtClean="0"/>
-              <a:t>2022-03-07</a:t>
+              <a:t>2022/5/28</a:t>
             </a:fld>
             <a:endParaRPr lang="zh-CN" altLang="en-US"/>
           </a:p>
@@ -2929,7 +2929,7 @@
           <a:p>
             <a:fld id="{B667AF6A-A86C-412B-BF95-2CDDD32B05B2}" type="datetimeFigureOut">
               <a:rPr lang="zh-CN" altLang="en-US" smtClean="0"/>
-              <a:t>2022-03-07</a:t>
+              <a:t>2022/5/28</a:t>
             </a:fld>
             <a:endParaRPr lang="zh-CN" altLang="en-US"/>
           </a:p>
@@ -3185,7 +3185,7 @@
           <a:p>
             <a:fld id="{B667AF6A-A86C-412B-BF95-2CDDD32B05B2}" type="datetimeFigureOut">
               <a:rPr lang="zh-CN" altLang="en-US" smtClean="0"/>
-              <a:t>2022-03-07</a:t>
+              <a:t>2022/5/28</a:t>
             </a:fld>
             <a:endParaRPr lang="zh-CN" altLang="en-US"/>
           </a:p>
@@ -4058,8 +4058,15 @@
                   </a:schemeClr>
                 </a:solidFill>
               </a:rPr>
-              <a:t>朱翰宸、严依依</a:t>
+              <a:t>答辩人姓名</a:t>
             </a:r>
+            <a:endParaRPr lang="en-US" altLang="zh-CN" sz="1200" dirty="0">
+              <a:solidFill>
+                <a:schemeClr val="bg1">
+                  <a:lumMod val="50000"/>
+                </a:schemeClr>
+              </a:solidFill>
+            </a:endParaRPr>
           </a:p>
         </p:txBody>
       </p:sp>
